--- a/Appworks InHouse Solution Approach.pptx
+++ b/Appworks InHouse Solution Approach.pptx
@@ -259,7 +259,7 @@
             <a:fld id="{F466A647-B90E-DC43-AADB-80125AE2E46D}" type="datetimeFigureOut">
               <a:rPr lang="en-US" smtClean="0"/>
               <a:pPr/>
-              <a:t>4/21/2021</a:t>
+              <a:t>5/13/2021</a:t>
             </a:fld>
             <a:endParaRPr lang="en-US"/>
           </a:p>
@@ -427,7 +427,7 @@
             <a:fld id="{D21B2060-59A2-BC4A-8ACD-B5D0C2494637}" type="datetimeFigureOut">
               <a:rPr lang="en-US" smtClean="0"/>
               <a:pPr/>
-              <a:t>4/21/2021</a:t>
+              <a:t>5/13/2021</a:t>
             </a:fld>
             <a:endParaRPr lang="en-US"/>
           </a:p>
@@ -6173,12 +6173,6 @@
 </file>
 
 <file path=customXml/item1.xml><?xml version="1.0" encoding="utf-8"?>
-<p:properties xmlns:p="http://schemas.microsoft.com/office/2006/metadata/properties" xmlns:xsi="http://www.w3.org/2001/XMLSchema-instance" xmlns:pc="http://schemas.microsoft.com/office/infopath/2007/PartnerControls">
-  <documentManagement/>
-</p:properties>
-</file>
-
-<file path=customXml/item2.xml><?xml version="1.0" encoding="utf-8"?>
 <?mso-contentType ?>
 <FormTemplates xmlns="http://schemas.microsoft.com/sharepoint/v3/contenttype/forms">
   <Display>DocumentLibraryForm</Display>
@@ -6187,19 +6181,77 @@
 </FormTemplates>
 </file>
 
+<file path=customXml/item2.xml><?xml version="1.0" encoding="utf-8"?>
+<p:properties xmlns:p="http://schemas.microsoft.com/office/2006/metadata/properties" xmlns:xsi="http://www.w3.org/2001/XMLSchema-instance" xmlns:pc="http://schemas.microsoft.com/office/infopath/2007/PartnerControls">
+  <documentManagement>
+    <_Format xmlns="http://schemas.microsoft.com/sharepoint/v3/fields" xsi:nil="true"/>
+    <_ResourceType xmlns="http://schemas.microsoft.com/sharepoint/v3/fields" xsi:nil="true"/>
+    <_Identifier xmlns="http://schemas.microsoft.com/sharepoint/v3/fields" xsi:nil="true"/>
+    <Location xmlns="http://schemas.microsoft.com/sharepoint/v3/fields" xsi:nil="true"/>
+  </documentManagement>
+</p:properties>
+</file>
+
 <file path=customXml/item3.xml><?xml version="1.0" encoding="utf-8"?>
-<ct:contentTypeSchema xmlns:ct="http://schemas.microsoft.com/office/2006/metadata/contentType" xmlns:ma="http://schemas.microsoft.com/office/2006/metadata/properties/metaAttributes" ct:_="" ma:_="" ma:contentTypeName="Document" ma:contentTypeID="0x0101007308479BE8D01141B162EAD05A7F3C62" ma:contentTypeVersion="0" ma:contentTypeDescription="Create a new document." ma:contentTypeScope="" ma:versionID="65e4db8e2d11ae62c207c2e6bda98cf4">
-  <xsd:schema xmlns:xsd="http://www.w3.org/2001/XMLSchema" xmlns:xs="http://www.w3.org/2001/XMLSchema" xmlns:p="http://schemas.microsoft.com/office/2006/metadata/properties" targetNamespace="http://schemas.microsoft.com/office/2006/metadata/properties" ma:root="true" ma:fieldsID="60b3a9cae1b29cbf6e1eb9223b0e3c6f">
+<ct:contentTypeSchema xmlns:ct="http://schemas.microsoft.com/office/2006/metadata/contentType" xmlns:ma="http://schemas.microsoft.com/office/2006/metadata/properties/metaAttributes" ct:_="" ma:_="" ma:contentTypeName="Document" ma:contentTypeID="0x010100BCA8A3AAD860AF43A5F56579A66AAF6A" ma:contentTypeVersion="25" ma:contentTypeDescription="Create a new document." ma:contentTypeScope="" ma:versionID="60c377acc248de5c7cb2ccfb00799cf8">
+  <xsd:schema xmlns:xsd="http://www.w3.org/2001/XMLSchema" xmlns:xs="http://www.w3.org/2001/XMLSchema" xmlns:p="http://schemas.microsoft.com/office/2006/metadata/properties" xmlns:ns2="http://schemas.microsoft.com/sharepoint/v3/fields" xmlns:ns3="cb81d498-de36-4b83-b281-7a935f01c3ca" targetNamespace="http://schemas.microsoft.com/office/2006/metadata/properties" ma:root="true" ma:fieldsID="e3a4b3ab9e2ef9f38bc9aff4f27d9846" ns2:_="" ns3:_="">
+    <xsd:import namespace="http://schemas.microsoft.com/sharepoint/v3/fields"/>
+    <xsd:import namespace="cb81d498-de36-4b83-b281-7a935f01c3ca"/>
     <xsd:element name="properties">
       <xsd:complexType>
         <xsd:sequence>
           <xsd:element name="documentManagement">
             <xsd:complexType>
-              <xsd:all/>
+              <xsd:all>
+                <xsd:element ref="ns2:Location" minOccurs="0"/>
+                <xsd:element ref="ns2:_Format" minOccurs="0"/>
+                <xsd:element ref="ns2:_ResourceType" minOccurs="0"/>
+                <xsd:element ref="ns2:_Identifier" minOccurs="0"/>
+                <xsd:element ref="ns3:MediaServiceMetadata" minOccurs="0"/>
+                <xsd:element ref="ns3:MediaServiceFastMetadata" minOccurs="0"/>
+              </xsd:all>
             </xsd:complexType>
           </xsd:element>
         </xsd:sequence>
       </xsd:complexType>
+    </xsd:element>
+  </xsd:schema>
+  <xsd:schema xmlns:xsd="http://www.w3.org/2001/XMLSchema" xmlns:xs="http://www.w3.org/2001/XMLSchema" xmlns:dms="http://schemas.microsoft.com/office/2006/documentManagement/types" xmlns:pc="http://schemas.microsoft.com/office/infopath/2007/PartnerControls" targetNamespace="http://schemas.microsoft.com/sharepoint/v3/fields" elementFormDefault="qualified">
+    <xsd:import namespace="http://schemas.microsoft.com/office/2006/documentManagement/types"/>
+    <xsd:import namespace="http://schemas.microsoft.com/office/infopath/2007/PartnerControls"/>
+    <xsd:element name="Location" ma:index="8" nillable="true" ma:displayName="Location" ma:internalName="Location">
+      <xsd:simpleType>
+        <xsd:restriction base="dms:Text"/>
+      </xsd:simpleType>
+    </xsd:element>
+    <xsd:element name="_Format" ma:index="9" nillable="true" ma:displayName="Format" ma:description="Media-type, file format or dimensions" ma:internalName="_Format">
+      <xsd:simpleType>
+        <xsd:restriction base="dms:Text"/>
+      </xsd:simpleType>
+    </xsd:element>
+    <xsd:element name="_ResourceType" ma:index="10" nillable="true" ma:displayName="Resource Type" ma:description="A set of categories, functions, genres or aggregation levels" ma:internalName="_ResourceType">
+      <xsd:simpleType>
+        <xsd:restriction base="dms:Text"/>
+      </xsd:simpleType>
+    </xsd:element>
+    <xsd:element name="_Identifier" ma:index="11" nillable="true" ma:displayName="Resource Identifier" ma:description="An identifying string or number, usually conforming to a formal identification system" ma:internalName="_Identifier">
+      <xsd:simpleType>
+        <xsd:restriction base="dms:Text"/>
+      </xsd:simpleType>
+    </xsd:element>
+  </xsd:schema>
+  <xsd:schema xmlns:xsd="http://www.w3.org/2001/XMLSchema" xmlns:xs="http://www.w3.org/2001/XMLSchema" xmlns:dms="http://schemas.microsoft.com/office/2006/documentManagement/types" xmlns:pc="http://schemas.microsoft.com/office/infopath/2007/PartnerControls" targetNamespace="cb81d498-de36-4b83-b281-7a935f01c3ca" elementFormDefault="qualified">
+    <xsd:import namespace="http://schemas.microsoft.com/office/2006/documentManagement/types"/>
+    <xsd:import namespace="http://schemas.microsoft.com/office/infopath/2007/PartnerControls"/>
+    <xsd:element name="MediaServiceMetadata" ma:index="12" nillable="true" ma:displayName="MediaServiceMetadata" ma:hidden="true" ma:internalName="MediaServiceMetadata" ma:readOnly="true">
+      <xsd:simpleType>
+        <xsd:restriction base="dms:Note"/>
+      </xsd:simpleType>
+    </xsd:element>
+    <xsd:element name="MediaServiceFastMetadata" ma:index="13" nillable="true" ma:displayName="MediaServiceFastMetadata" ma:hidden="true" ma:internalName="MediaServiceFastMetadata" ma:readOnly="true">
+      <xsd:simpleType>
+        <xsd:restriction base="dms:Note"/>
+      </xsd:simpleType>
     </xsd:element>
   </xsd:schema>
   <xsd:schema xmlns="http://schemas.openxmlformats.org/package/2006/metadata/core-properties" xmlns:xsd="http://www.w3.org/2001/XMLSchema" xmlns:xsi="http://www.w3.org/2001/XMLSchema-instance" xmlns:dc="http://purl.org/dc/elements/1.1/" xmlns:dcterms="http://purl.org/dc/terms/" xmlns:odoc="http://schemas.microsoft.com/internal/obd" targetNamespace="http://schemas.openxmlformats.org/package/2006/metadata/core-properties" elementFormDefault="qualified" attributeFormDefault="unqualified" blockDefault="#all">
@@ -6211,7 +6263,7 @@
         <xsd:element ref="dc:creator" minOccurs="0" maxOccurs="1"/>
         <xsd:element ref="dcterms:created" minOccurs="0" maxOccurs="1"/>
         <xsd:element ref="dc:identifier" minOccurs="0" maxOccurs="1"/>
-        <xsd:element name="contentType" minOccurs="0" maxOccurs="1" type="xsd:string" ma:index="0" ma:displayName="Content Type"/>
+        <xsd:element name="contentType" minOccurs="0" maxOccurs="1" type="xsd:string" ma:index="0" ma:displayName="Content Type" ma:readOnly="true"/>
         <xsd:element ref="dc:title" minOccurs="0" maxOccurs="1" ma:index="4" ma:displayName="Title"/>
         <xsd:element ref="dc:subject" minOccurs="0" maxOccurs="1"/>
         <xsd:element ref="dc:description" minOccurs="0" maxOccurs="1"/>
@@ -6302,13 +6354,22 @@
 </file>
 
 <file path=customXml/itemProps1.xml><?xml version="1.0" encoding="utf-8"?>
+<ds:datastoreItem xmlns:ds="http://schemas.openxmlformats.org/officeDocument/2006/customXml" ds:itemID="{245C0836-FEA5-4C66-85CC-AC8C01BA5FD9}">
+  <ds:schemaRefs>
+    <ds:schemaRef ds:uri="http://schemas.microsoft.com/sharepoint/v3/contenttype/forms"/>
+  </ds:schemaRefs>
+</ds:datastoreItem>
+</file>
+
+<file path=customXml/itemProps2.xml><?xml version="1.0" encoding="utf-8"?>
 <ds:datastoreItem xmlns:ds="http://schemas.openxmlformats.org/officeDocument/2006/customXml" ds:itemID="{BCC07335-C188-4C80-8017-B2352789F467}">
   <ds:schemaRefs>
+    <ds:schemaRef ds:uri="http://schemas.microsoft.com/office/2006/metadata/properties"/>
+    <ds:schemaRef ds:uri="http://purl.org/dc/terms/"/>
+    <ds:schemaRef ds:uri="http://purl.org/dc/elements/1.1/"/>
+    <ds:schemaRef ds:uri="http://schemas.microsoft.com/sharepoint/v3/fields"/>
+    <ds:schemaRef ds:uri="http://schemas.microsoft.com/office/2006/documentManagement/types"/>
     <ds:schemaRef ds:uri="http://www.w3.org/XML/1998/namespace"/>
-    <ds:schemaRef ds:uri="http://schemas.microsoft.com/office/2006/metadata/properties"/>
-    <ds:schemaRef ds:uri="http://purl.org/dc/elements/1.1/"/>
-    <ds:schemaRef ds:uri="http://schemas.microsoft.com/office/2006/documentManagement/types"/>
-    <ds:schemaRef ds:uri="http://purl.org/dc/terms/"/>
     <ds:schemaRef ds:uri="http://schemas.microsoft.com/office/infopath/2007/PartnerControls"/>
     <ds:schemaRef ds:uri="http://schemas.openxmlformats.org/package/2006/metadata/core-properties"/>
     <ds:schemaRef ds:uri="http://purl.org/dc/dcmitype/"/>
@@ -6316,26 +6377,21 @@
 </ds:datastoreItem>
 </file>
 
-<file path=customXml/itemProps2.xml><?xml version="1.0" encoding="utf-8"?>
-<ds:datastoreItem xmlns:ds="http://schemas.openxmlformats.org/officeDocument/2006/customXml" ds:itemID="{245C0836-FEA5-4C66-85CC-AC8C01BA5FD9}">
-  <ds:schemaRefs>
-    <ds:schemaRef ds:uri="http://schemas.microsoft.com/sharepoint/v3/contenttype/forms"/>
-  </ds:schemaRefs>
-</ds:datastoreItem>
-</file>
-
 <file path=customXml/itemProps3.xml><?xml version="1.0" encoding="utf-8"?>
-<ds:datastoreItem xmlns:ds="http://schemas.openxmlformats.org/officeDocument/2006/customXml" ds:itemID="{E7F4A1AA-C884-4478-99CF-367AC50FCE24}">
+<ds:datastoreItem xmlns:ds="http://schemas.openxmlformats.org/officeDocument/2006/customXml" ds:itemID="{E7D19F8F-9E23-4DB0-AF0E-68B40DB7C997}">
   <ds:schemaRefs>
     <ds:schemaRef ds:uri="http://schemas.microsoft.com/office/2006/metadata/contentType"/>
     <ds:schemaRef ds:uri="http://schemas.microsoft.com/office/2006/metadata/properties/metaAttributes"/>
     <ds:schemaRef ds:uri="http://www.w3.org/2001/XMLSchema"/>
     <ds:schemaRef ds:uri="http://schemas.microsoft.com/office/2006/metadata/properties"/>
+    <ds:schemaRef ds:uri="http://schemas.microsoft.com/sharepoint/v3/fields"/>
+    <ds:schemaRef ds:uri="cb81d498-de36-4b83-b281-7a935f01c3ca"/>
+    <ds:schemaRef ds:uri="http://schemas.microsoft.com/office/2006/documentManagement/types"/>
+    <ds:schemaRef ds:uri="http://schemas.microsoft.com/office/infopath/2007/PartnerControls"/>
     <ds:schemaRef ds:uri="http://schemas.openxmlformats.org/package/2006/metadata/core-properties"/>
     <ds:schemaRef ds:uri="http://purl.org/dc/elements/1.1/"/>
     <ds:schemaRef ds:uri="http://purl.org/dc/terms/"/>
     <ds:schemaRef ds:uri="http://schemas.microsoft.com/internal/obd"/>
-    <ds:schemaRef ds:uri="http://schemas.microsoft.com/office/infopath/2007/PartnerControls"/>
   </ds:schemaRefs>
 </ds:datastoreItem>
 </file>